--- a/玩命赛道/玩命赛道积分纸.pptx
+++ b/玩命赛道/玩命赛道积分纸.pptx
@@ -261,7 +261,7 @@
           <a:p>
             <a:fld id="{92549BC7-E90A-224A-BA3A-E3B00524A1D3}" type="datetimeFigureOut">
               <a:rPr kumimoji="1" lang="zh-CN" altLang="en-US" smtClean="0"/>
-              <a:t>2023/10/4</a:t>
+              <a:t>2023/10/7</a:t>
             </a:fld>
             <a:endParaRPr kumimoji="1" lang="zh-CN" altLang="en-US"/>
           </a:p>
@@ -459,7 +459,7 @@
           <a:p>
             <a:fld id="{92549BC7-E90A-224A-BA3A-E3B00524A1D3}" type="datetimeFigureOut">
               <a:rPr kumimoji="1" lang="zh-CN" altLang="en-US" smtClean="0"/>
-              <a:t>2023/10/4</a:t>
+              <a:t>2023/10/7</a:t>
             </a:fld>
             <a:endParaRPr kumimoji="1" lang="zh-CN" altLang="en-US"/>
           </a:p>
@@ -667,7 +667,7 @@
           <a:p>
             <a:fld id="{92549BC7-E90A-224A-BA3A-E3B00524A1D3}" type="datetimeFigureOut">
               <a:rPr kumimoji="1" lang="zh-CN" altLang="en-US" smtClean="0"/>
-              <a:t>2023/10/4</a:t>
+              <a:t>2023/10/7</a:t>
             </a:fld>
             <a:endParaRPr kumimoji="1" lang="zh-CN" altLang="en-US"/>
           </a:p>
@@ -865,7 +865,7 @@
           <a:p>
             <a:fld id="{92549BC7-E90A-224A-BA3A-E3B00524A1D3}" type="datetimeFigureOut">
               <a:rPr kumimoji="1" lang="zh-CN" altLang="en-US" smtClean="0"/>
-              <a:t>2023/10/4</a:t>
+              <a:t>2023/10/7</a:t>
             </a:fld>
             <a:endParaRPr kumimoji="1" lang="zh-CN" altLang="en-US"/>
           </a:p>
@@ -1140,7 +1140,7 @@
           <a:p>
             <a:fld id="{92549BC7-E90A-224A-BA3A-E3B00524A1D3}" type="datetimeFigureOut">
               <a:rPr kumimoji="1" lang="zh-CN" altLang="en-US" smtClean="0"/>
-              <a:t>2023/10/4</a:t>
+              <a:t>2023/10/7</a:t>
             </a:fld>
             <a:endParaRPr kumimoji="1" lang="zh-CN" altLang="en-US"/>
           </a:p>
@@ -1405,7 +1405,7 @@
           <a:p>
             <a:fld id="{92549BC7-E90A-224A-BA3A-E3B00524A1D3}" type="datetimeFigureOut">
               <a:rPr kumimoji="1" lang="zh-CN" altLang="en-US" smtClean="0"/>
-              <a:t>2023/10/4</a:t>
+              <a:t>2023/10/7</a:t>
             </a:fld>
             <a:endParaRPr kumimoji="1" lang="zh-CN" altLang="en-US"/>
           </a:p>
@@ -1817,7 +1817,7 @@
           <a:p>
             <a:fld id="{92549BC7-E90A-224A-BA3A-E3B00524A1D3}" type="datetimeFigureOut">
               <a:rPr kumimoji="1" lang="zh-CN" altLang="en-US" smtClean="0"/>
-              <a:t>2023/10/4</a:t>
+              <a:t>2023/10/7</a:t>
             </a:fld>
             <a:endParaRPr kumimoji="1" lang="zh-CN" altLang="en-US"/>
           </a:p>
@@ -1958,7 +1958,7 @@
           <a:p>
             <a:fld id="{92549BC7-E90A-224A-BA3A-E3B00524A1D3}" type="datetimeFigureOut">
               <a:rPr kumimoji="1" lang="zh-CN" altLang="en-US" smtClean="0"/>
-              <a:t>2023/10/4</a:t>
+              <a:t>2023/10/7</a:t>
             </a:fld>
             <a:endParaRPr kumimoji="1" lang="zh-CN" altLang="en-US"/>
           </a:p>
@@ -2071,7 +2071,7 @@
           <a:p>
             <a:fld id="{92549BC7-E90A-224A-BA3A-E3B00524A1D3}" type="datetimeFigureOut">
               <a:rPr kumimoji="1" lang="zh-CN" altLang="en-US" smtClean="0"/>
-              <a:t>2023/10/4</a:t>
+              <a:t>2023/10/7</a:t>
             </a:fld>
             <a:endParaRPr kumimoji="1" lang="zh-CN" altLang="en-US"/>
           </a:p>
@@ -2382,7 +2382,7 @@
           <a:p>
             <a:fld id="{92549BC7-E90A-224A-BA3A-E3B00524A1D3}" type="datetimeFigureOut">
               <a:rPr kumimoji="1" lang="zh-CN" altLang="en-US" smtClean="0"/>
-              <a:t>2023/10/4</a:t>
+              <a:t>2023/10/7</a:t>
             </a:fld>
             <a:endParaRPr kumimoji="1" lang="zh-CN" altLang="en-US"/>
           </a:p>
@@ -2670,7 +2670,7 @@
           <a:p>
             <a:fld id="{92549BC7-E90A-224A-BA3A-E3B00524A1D3}" type="datetimeFigureOut">
               <a:rPr kumimoji="1" lang="zh-CN" altLang="en-US" smtClean="0"/>
-              <a:t>2023/10/4</a:t>
+              <a:t>2023/10/7</a:t>
             </a:fld>
             <a:endParaRPr kumimoji="1" lang="zh-CN" altLang="en-US"/>
           </a:p>
@@ -2911,7 +2911,7 @@
           <a:p>
             <a:fld id="{92549BC7-E90A-224A-BA3A-E3B00524A1D3}" type="datetimeFigureOut">
               <a:rPr kumimoji="1" lang="zh-CN" altLang="en-US" smtClean="0"/>
-              <a:t>2023/10/4</a:t>
+              <a:t>2023/10/7</a:t>
             </a:fld>
             <a:endParaRPr kumimoji="1" lang="zh-CN" altLang="en-US"/>
           </a:p>
@@ -15657,42 +15657,6 @@
       </p:grpSpPr>
       <p:cxnSp>
         <p:nvCxnSpPr>
-          <p:cNvPr id="9" name="直线连接符 8">
-            <a:extLst>
-              <a:ext uri="{FF2B5EF4-FFF2-40B4-BE49-F238E27FC236}">
-                <a16:creationId xmlns:a16="http://schemas.microsoft.com/office/drawing/2014/main" id="{06A561DC-392C-CB35-ADF5-0CDDBD7BBA83}"/>
-              </a:ext>
-            </a:extLst>
-          </p:cNvPr>
-          <p:cNvCxnSpPr/>
-          <p:nvPr/>
-        </p:nvCxnSpPr>
-        <p:spPr>
-          <a:xfrm>
-            <a:off x="0" y="3429000"/>
-            <a:ext cx="12192000" cy="0"/>
-          </a:xfrm>
-          <a:prstGeom prst="line">
-            <a:avLst/>
-          </a:prstGeom>
-        </p:spPr>
-        <p:style>
-          <a:lnRef idx="1">
-            <a:schemeClr val="accent1"/>
-          </a:lnRef>
-          <a:fillRef idx="0">
-            <a:schemeClr val="accent1"/>
-          </a:fillRef>
-          <a:effectRef idx="0">
-            <a:schemeClr val="accent1"/>
-          </a:effectRef>
-          <a:fontRef idx="minor">
-            <a:schemeClr val="tx1"/>
-          </a:fontRef>
-        </p:style>
-      </p:cxnSp>
-      <p:cxnSp>
-        <p:nvCxnSpPr>
           <p:cNvPr id="7" name="直线连接符 6">
             <a:extLst>
               <a:ext uri="{FF2B5EF4-FFF2-40B4-BE49-F238E27FC236}">
@@ -15727,36 +15691,6 @@
           </a:fontRef>
         </p:style>
       </p:cxnSp>
-      <p:pic>
-        <p:nvPicPr>
-          <p:cNvPr id="14" name="图片 13">
-            <a:extLst>
-              <a:ext uri="{FF2B5EF4-FFF2-40B4-BE49-F238E27FC236}">
-                <a16:creationId xmlns:a16="http://schemas.microsoft.com/office/drawing/2014/main" id="{313D176B-478B-208D-DAB6-A10F0A2A6CE1}"/>
-              </a:ext>
-            </a:extLst>
-          </p:cNvPr>
-          <p:cNvPicPr>
-            <a:picLocks noChangeAspect="1"/>
-          </p:cNvPicPr>
-          <p:nvPr/>
-        </p:nvPicPr>
-        <p:blipFill>
-          <a:blip r:embed="rId2"/>
-          <a:stretch>
-            <a:fillRect/>
-          </a:stretch>
-        </p:blipFill>
-        <p:spPr>
-          <a:xfrm>
-            <a:off x="1266971" y="0"/>
-            <a:ext cx="4829029" cy="3423530"/>
-          </a:xfrm>
-          <a:prstGeom prst="rect">
-            <a:avLst/>
-          </a:prstGeom>
-        </p:spPr>
-      </p:pic>
       <p:pic>
         <p:nvPicPr>
           <p:cNvPr id="15" name="图片 14">
@@ -15789,36 +15723,6 @@
       </p:pic>
       <p:pic>
         <p:nvPicPr>
-          <p:cNvPr id="16" name="图片 15">
-            <a:extLst>
-              <a:ext uri="{FF2B5EF4-FFF2-40B4-BE49-F238E27FC236}">
-                <a16:creationId xmlns:a16="http://schemas.microsoft.com/office/drawing/2014/main" id="{95C7F922-3E2E-EDC8-5A98-A30819FF499A}"/>
-              </a:ext>
-            </a:extLst>
-          </p:cNvPr>
-          <p:cNvPicPr>
-            <a:picLocks noChangeAspect="1"/>
-          </p:cNvPicPr>
-          <p:nvPr/>
-        </p:nvPicPr>
-        <p:blipFill>
-          <a:blip r:embed="rId2"/>
-          <a:stretch>
-            <a:fillRect/>
-          </a:stretch>
-        </p:blipFill>
-        <p:spPr>
-          <a:xfrm>
-            <a:off x="1266970" y="3434471"/>
-            <a:ext cx="4829029" cy="3423530"/>
-          </a:xfrm>
-          <a:prstGeom prst="rect">
-            <a:avLst/>
-          </a:prstGeom>
-        </p:spPr>
-      </p:pic>
-      <p:pic>
-        <p:nvPicPr>
           <p:cNvPr id="17" name="图片 16">
             <a:extLst>
               <a:ext uri="{FF2B5EF4-FFF2-40B4-BE49-F238E27FC236}">
@@ -15849,10 +15753,10 @@
       </p:pic>
       <p:pic>
         <p:nvPicPr>
-          <p:cNvPr id="3" name="图片 2">
-            <a:extLst>
-              <a:ext uri="{FF2B5EF4-FFF2-40B4-BE49-F238E27FC236}">
-                <a16:creationId xmlns:a16="http://schemas.microsoft.com/office/drawing/2014/main" id="{178687BE-13C7-6BED-5043-01587C32EC6D}"/>
+          <p:cNvPr id="2" name="图片 1">
+            <a:extLst>
+              <a:ext uri="{FF2B5EF4-FFF2-40B4-BE49-F238E27FC236}">
+                <a16:creationId xmlns:a16="http://schemas.microsoft.com/office/drawing/2014/main" id="{3C3A3509-B381-60C2-10A0-7695FA1B3289}"/>
               </a:ext>
             </a:extLst>
           </p:cNvPr>
@@ -15862,21 +15766,125 @@
           <p:nvPr/>
         </p:nvPicPr>
         <p:blipFill>
-          <a:blip r:embed="rId3"/>
+          <a:blip r:embed="rId2"/>
           <a:stretch>
             <a:fillRect/>
           </a:stretch>
         </p:blipFill>
         <p:spPr>
-          <a:xfrm rot="5400000">
-            <a:off x="0" y="5910943"/>
-            <a:ext cx="947057" cy="947057"/>
+          <a:xfrm>
+            <a:off x="2533940" y="10941"/>
+            <a:ext cx="4829029" cy="3423530"/>
           </a:xfrm>
           <a:prstGeom prst="rect">
             <a:avLst/>
           </a:prstGeom>
         </p:spPr>
       </p:pic>
+      <p:pic>
+        <p:nvPicPr>
+          <p:cNvPr id="4" name="图片 3">
+            <a:extLst>
+              <a:ext uri="{FF2B5EF4-FFF2-40B4-BE49-F238E27FC236}">
+                <a16:creationId xmlns:a16="http://schemas.microsoft.com/office/drawing/2014/main" id="{F93F3DEA-2CA6-BD16-3360-0CEDB0DCD56E}"/>
+              </a:ext>
+            </a:extLst>
+          </p:cNvPr>
+          <p:cNvPicPr>
+            <a:picLocks noChangeAspect="1"/>
+          </p:cNvPicPr>
+          <p:nvPr/>
+        </p:nvPicPr>
+        <p:blipFill>
+          <a:blip r:embed="rId2"/>
+          <a:stretch>
+            <a:fillRect/>
+          </a:stretch>
+        </p:blipFill>
+        <p:spPr>
+          <a:xfrm>
+            <a:off x="2533939" y="3445412"/>
+            <a:ext cx="4829029" cy="3423530"/>
+          </a:xfrm>
+          <a:prstGeom prst="rect">
+            <a:avLst/>
+          </a:prstGeom>
+        </p:spPr>
+      </p:pic>
+      <p:cxnSp>
+        <p:nvCxnSpPr>
+          <p:cNvPr id="5" name="直线连接符 4">
+            <a:extLst>
+              <a:ext uri="{FF2B5EF4-FFF2-40B4-BE49-F238E27FC236}">
+                <a16:creationId xmlns:a16="http://schemas.microsoft.com/office/drawing/2014/main" id="{C3D20BA8-B4D3-F6B2-AE3F-0269B2234448}"/>
+              </a:ext>
+            </a:extLst>
+          </p:cNvPr>
+          <p:cNvCxnSpPr>
+            <a:cxnSpLocks/>
+          </p:cNvCxnSpPr>
+          <p:nvPr/>
+        </p:nvCxnSpPr>
+        <p:spPr>
+          <a:xfrm>
+            <a:off x="7362970" y="0"/>
+            <a:ext cx="0" cy="6858000"/>
+          </a:xfrm>
+          <a:prstGeom prst="line">
+            <a:avLst/>
+          </a:prstGeom>
+        </p:spPr>
+        <p:style>
+          <a:lnRef idx="1">
+            <a:schemeClr val="accent1"/>
+          </a:lnRef>
+          <a:fillRef idx="0">
+            <a:schemeClr val="accent1"/>
+          </a:fillRef>
+          <a:effectRef idx="0">
+            <a:schemeClr val="accent1"/>
+          </a:effectRef>
+          <a:fontRef idx="minor">
+            <a:schemeClr val="tx1"/>
+          </a:fontRef>
+        </p:style>
+      </p:cxnSp>
+      <p:cxnSp>
+        <p:nvCxnSpPr>
+          <p:cNvPr id="9" name="直线连接符 8">
+            <a:extLst>
+              <a:ext uri="{FF2B5EF4-FFF2-40B4-BE49-F238E27FC236}">
+                <a16:creationId xmlns:a16="http://schemas.microsoft.com/office/drawing/2014/main" id="{06A561DC-392C-CB35-ADF5-0CDDBD7BBA83}"/>
+              </a:ext>
+            </a:extLst>
+          </p:cNvPr>
+          <p:cNvCxnSpPr/>
+          <p:nvPr/>
+        </p:nvCxnSpPr>
+        <p:spPr>
+          <a:xfrm>
+            <a:off x="0" y="3429000"/>
+            <a:ext cx="12192000" cy="0"/>
+          </a:xfrm>
+          <a:prstGeom prst="line">
+            <a:avLst/>
+          </a:prstGeom>
+        </p:spPr>
+        <p:style>
+          <a:lnRef idx="1">
+            <a:schemeClr val="accent1"/>
+          </a:lnRef>
+          <a:fillRef idx="0">
+            <a:schemeClr val="accent1"/>
+          </a:fillRef>
+          <a:effectRef idx="0">
+            <a:schemeClr val="accent1"/>
+          </a:effectRef>
+          <a:fontRef idx="minor">
+            <a:schemeClr val="tx1"/>
+          </a:fontRef>
+        </p:style>
+      </p:cxnSp>
     </p:spTree>
     <p:extLst>
       <p:ext uri="{BB962C8B-B14F-4D97-AF65-F5344CB8AC3E}">
